--- a/Idea/GreenSoftwareDevelopment.pptx
+++ b/Idea/GreenSoftwareDevelopment.pptx
@@ -270,7 +270,7 @@
       <p15:sldGuideLst xmlns:p15="http://schemas.microsoft.com/office/powerpoint/2012/main"/>
     </p:ext>
     <p:ext uri="http://customooxmlschemas.google.com/">
-      <go:slidesCustomData xmlns="" xmlns:mc="http://schemas.openxmlformats.org/markup-compatibility/2006" xmlns:mv="urn:schemas-microsoft-com:mac:vml" xmlns:c="http://schemas.openxmlformats.org/drawingml/2006/chart" xmlns:dgm="http://schemas.openxmlformats.org/drawingml/2006/diagram" xmlns:o="urn:schemas-microsoft-com:office:office" xmlns:v="urn:schemas-microsoft-com:vml" xmlns:pvml="urn:schemas-microsoft-com:office:powerpoint" xmlns:com="http://schemas.openxmlformats.org/drawingml/2006/compatibility" xmlns:p14="http://schemas.microsoft.com/office/powerpoint/2010/main" xmlns:p15="http://schemas.microsoft.com/office/powerpoint/2012/main" xmlns:ahyp="http://schemas.microsoft.com/office/drawing/2018/hyperlinkcolor" xmlns:go="http://customooxmlschemas.google.com/" r:id="rId23" roundtripDataSignature="AMtx7mg4ID0MW+58A5oAZz0iuzSAYbU9/A=="/>
+      <go:slidesCustomData xmlns:go="http://customooxmlschemas.google.com/" xmlns:ahyp="http://schemas.microsoft.com/office/drawing/2018/hyperlinkcolor" xmlns:p15="http://schemas.microsoft.com/office/powerpoint/2012/main" xmlns:p14="http://schemas.microsoft.com/office/powerpoint/2010/main" xmlns:com="http://schemas.openxmlformats.org/drawingml/2006/compatibility" xmlns:pvml="urn:schemas-microsoft-com:office:powerpoint" xmlns:v="urn:schemas-microsoft-com:vml" xmlns:o="urn:schemas-microsoft-com:office:office" xmlns:dgm="http://schemas.openxmlformats.org/drawingml/2006/diagram" xmlns:c="http://schemas.openxmlformats.org/drawingml/2006/chart" xmlns:mv="urn:schemas-microsoft-com:mac:vml" xmlns:mc="http://schemas.openxmlformats.org/markup-compatibility/2006" xmlns="" r:id="rId23" roundtripDataSignature="AMtx7mg4ID0MW+58A5oAZz0iuzSAYbU9/A=="/>
     </p:ext>
   </p:extLst>
 </p:presentation>
@@ -35686,10 +35686,10 @@
               <a:buNone/>
             </a:pPr>
             <a:r>
-              <a:rPr lang="en" sz="1500"/>
-              <a:t>Team member names</a:t>
+              <a:rPr lang="en" sz="1500" dirty="0"/>
+              <a:t>Jnaneshwar B.T. +91-6362847265</a:t>
             </a:r>
-            <a:endParaRPr sz="1500"/>
+            <a:endParaRPr sz="1500" dirty="0"/>
           </a:p>
         </p:txBody>
       </p:sp>
@@ -38855,7 +38855,7 @@
               <a:buNone/>
             </a:pPr>
             <a:r>
-              <a:rPr lang="en" sz="2000" b="1" i="0" u="none" strike="noStrike" cap="none">
+              <a:rPr lang="en" sz="2000" b="1" i="0" u="none" strike="noStrike" cap="none" dirty="0">
                 <a:solidFill>
                   <a:srgbClr val="1F1F50"/>
                 </a:solidFill>
@@ -38867,7 +38867,7 @@
               <a:t>GitHub Repository Link &amp; </a:t>
             </a:r>
             <a:r>
-              <a:rPr lang="en" sz="2000" b="1" i="0" u="none" strike="noStrike" cap="none">
+              <a:rPr lang="en" sz="2000" b="1" i="0" u="none" strike="noStrike" cap="none" dirty="0">
                 <a:solidFill>
                   <a:srgbClr val="4A4548"/>
                 </a:solidFill>
@@ -38879,9 +38879,9 @@
                 <a:cs typeface="Lato"/>
                 <a:sym typeface="Lato"/>
               </a:rPr>
-              <a:t>supporting diagrams, screenshots, if any</a:t>
+              <a:t>supporting diagrams, screenshots</a:t>
             </a:r>
-            <a:endParaRPr sz="2000" b="1" i="0" u="none" strike="noStrike" cap="none">
+            <a:endParaRPr sz="2000" b="1" i="0" u="none" strike="noStrike" cap="none" dirty="0">
               <a:solidFill>
                 <a:srgbClr val="1F1F50"/>
               </a:solidFill>
@@ -38945,7 +38945,7 @@
         </p:blipFill>
         <p:spPr>
           <a:xfrm>
-            <a:off x="5950302" y="571397"/>
+            <a:off x="6137046" y="2174817"/>
             <a:ext cx="2476627" cy="2000353"/>
           </a:xfrm>
           <a:prstGeom prst="rect">
@@ -38975,7 +38975,7 @@
         </p:blipFill>
         <p:spPr>
           <a:xfrm>
-            <a:off x="190758" y="571397"/>
+            <a:off x="259429" y="1193251"/>
             <a:ext cx="5620039" cy="3702240"/>
           </a:xfrm>
           <a:prstGeom prst="rect">
@@ -38983,6 +38983,41 @@
           </a:prstGeom>
         </p:spPr>
       </p:pic>
+      <p:sp>
+        <p:nvSpPr>
+          <p:cNvPr id="4" name="TextBox 3">
+            <a:extLst>
+              <a:ext uri="{FF2B5EF4-FFF2-40B4-BE49-F238E27FC236}">
+                <a16:creationId xmlns:a16="http://schemas.microsoft.com/office/drawing/2014/main" id="{D533800F-5A4D-C790-5F6B-06887C32100C}"/>
+              </a:ext>
+            </a:extLst>
+          </p:cNvPr>
+          <p:cNvSpPr txBox="1"/>
+          <p:nvPr/>
+        </p:nvSpPr>
+        <p:spPr>
+          <a:xfrm>
+            <a:off x="585989" y="571397"/>
+            <a:ext cx="7469746" cy="307777"/>
+          </a:xfrm>
+          <a:prstGeom prst="rect">
+            <a:avLst/>
+          </a:prstGeom>
+          <a:noFill/>
+        </p:spPr>
+        <p:txBody>
+          <a:bodyPr wrap="square">
+            <a:spAutoFit/>
+          </a:bodyPr>
+          <a:lstStyle/>
+          <a:p>
+            <a:r>
+              <a:rPr lang="en-US" dirty="0"/>
+              <a:t>https://github.com/jbt1607/Sustainability-Hack/tree/main/Idea/sources/GreenSoftware</a:t>
+            </a:r>
+          </a:p>
+        </p:txBody>
+      </p:sp>
     </p:spTree>
   </p:cSld>
   <p:clrMapOvr>
